--- a/docs/Presentations/Presentation 2.pptx
+++ b/docs/Presentations/Presentation 2.pptx
@@ -7508,7 +7508,7 @@
             <a:tbl>
               <a:tblPr>
                 <a:noFill/>
-                <a:tableStyleId>{45DAF684-DABB-4391-8C75-9F42DBE5FC97}</a:tableStyleId>
+                <a:tableStyleId>{A76B56BF-0389-4B2B-917E-F9EB1818B100}</a:tableStyleId>
               </a:tblPr>
               <a:tblGrid>
                 <a:gridCol w="1981200"/>
@@ -8033,7 +8033,7 @@
         <p:spPr>
           <a:xfrm>
             <a:off x="311700" y="445025"/>
-            <a:ext cx="8520600" cy="572700"/>
+            <a:ext cx="8520600" cy="1209900"/>
           </a:xfrm>
           <a:prstGeom prst="rect">
             <a:avLst/>
@@ -8059,6 +8059,26 @@
               <a:t>ER Model</a:t>
             </a:r>
             <a:endParaRPr/>
+          </a:p>
+          <a:p>
+            <a:pPr indent="0" lvl="0" marL="0" rtl="0" algn="l">
+              <a:spcBef>
+                <a:spcPts val="0"/>
+              </a:spcBef>
+              <a:spcAft>
+                <a:spcPts val="0"/>
+              </a:spcAft>
+              <a:buNone/>
+            </a:pPr>
+            <a:r>
+              <a:rPr lang="en"/>
+              <a:t>	</a:t>
+            </a:r>
+            <a:r>
+              <a:rPr lang="en" sz="1200"/>
+              <a:t>Needs updating due to formatting and program issues</a:t>
+            </a:r>
+            <a:endParaRPr sz="1200"/>
           </a:p>
         </p:txBody>
       </p:sp>
@@ -8078,8 +8098,8 @@
         </p:blipFill>
         <p:spPr>
           <a:xfrm>
-            <a:off x="716825" y="1152475"/>
-            <a:ext cx="7613713" cy="3528550"/>
+            <a:off x="716825" y="1905000"/>
+            <a:ext cx="7177025" cy="2776025"/>
           </a:xfrm>
           <a:prstGeom prst="rect">
             <a:avLst/>

--- a/docs/Presentations/Presentation 2.pptx
+++ b/docs/Presentations/Presentation 2.pptx
@@ -20,6 +20,7 @@
     <p:sldId id="265" r:id="rId15"/>
     <p:sldId id="266" r:id="rId16"/>
     <p:sldId id="267" r:id="rId17"/>
+    <p:sldId id="268" r:id="rId18"/>
   </p:sldIdLst>
   <p:sldSz cy="5143500" cx="9144000"/>
   <p:notesSz cx="6858000" cy="9144000"/>
@@ -797,7 +798,7 @@
       </p:grpSpPr>
       <p:sp>
         <p:nvSpPr>
-          <p:cNvPr id="114" name="Google Shape;114;g33ce0a1145_1_0:notes"/>
+          <p:cNvPr id="114" name="Google Shape;114;g4f0e08259f_0_7:notes"/>
           <p:cNvSpPr/>
           <p:nvPr>
             <p:ph idx="2" type="sldImg"/>
@@ -832,7 +833,7 @@
       </p:sp>
       <p:sp>
         <p:nvSpPr>
-          <p:cNvPr id="115" name="Google Shape;115;g33ce0a1145_1_0:notes"/>
+          <p:cNvPr id="115" name="Google Shape;115;g4f0e08259f_0_7:notes"/>
           <p:cNvSpPr txBox="1"/>
           <p:nvPr>
             <p:ph idx="1" type="body"/>
@@ -882,7 +883,7 @@
   <p:cSld>
     <p:spTree>
       <p:nvGrpSpPr>
-        <p:cNvPr id="121" name="Shape 121"/>
+        <p:cNvPr id="119" name="Shape 119"/>
         <p:cNvGrpSpPr/>
         <p:nvPr/>
       </p:nvGrpSpPr>
@@ -896,7 +897,7 @@
       </p:grpSpPr>
       <p:sp>
         <p:nvSpPr>
-          <p:cNvPr id="122" name="Google Shape;122;g33ce0a1145_2_0:notes"/>
+          <p:cNvPr id="120" name="Google Shape;120;g33ce0a1145_1_0:notes"/>
           <p:cNvSpPr/>
           <p:nvPr>
             <p:ph idx="2" type="sldImg"/>
@@ -931,7 +932,7 @@
       </p:sp>
       <p:sp>
         <p:nvSpPr>
-          <p:cNvPr id="123" name="Google Shape;123;g33ce0a1145_2_0:notes"/>
+          <p:cNvPr id="121" name="Google Shape;121;g33ce0a1145_1_0:notes"/>
           <p:cNvSpPr txBox="1"/>
           <p:nvPr>
             <p:ph idx="1" type="body"/>
@@ -981,7 +982,7 @@
   <p:cSld>
     <p:spTree>
       <p:nvGrpSpPr>
-        <p:cNvPr id="128" name="Shape 128"/>
+        <p:cNvPr id="127" name="Shape 127"/>
         <p:cNvGrpSpPr/>
         <p:nvPr/>
       </p:nvGrpSpPr>
@@ -995,7 +996,7 @@
       </p:grpSpPr>
       <p:sp>
         <p:nvSpPr>
-          <p:cNvPr id="129" name="Google Shape;129;g33ce0a1145_3_0:notes"/>
+          <p:cNvPr id="128" name="Google Shape;128;g33ce0a1145_2_0:notes"/>
           <p:cNvSpPr/>
           <p:nvPr>
             <p:ph idx="2" type="sldImg"/>
@@ -1030,7 +1031,106 @@
       </p:sp>
       <p:sp>
         <p:nvSpPr>
-          <p:cNvPr id="130" name="Google Shape;130;g33ce0a1145_3_0:notes"/>
+          <p:cNvPr id="129" name="Google Shape;129;g33ce0a1145_2_0:notes"/>
+          <p:cNvSpPr txBox="1"/>
+          <p:nvPr>
+            <p:ph idx="1" type="body"/>
+          </p:nvPr>
+        </p:nvSpPr>
+        <p:spPr>
+          <a:xfrm>
+            <a:off x="685800" y="4343400"/>
+            <a:ext cx="5486400" cy="4114800"/>
+          </a:xfrm>
+          <a:prstGeom prst="rect">
+            <a:avLst/>
+          </a:prstGeom>
+        </p:spPr>
+        <p:txBody>
+          <a:bodyPr anchorCtr="0" anchor="t" bIns="91425" lIns="91425" spcFirstLastPara="1" rIns="91425" wrap="square" tIns="91425">
+            <a:noAutofit/>
+          </a:bodyPr>
+          <a:lstStyle/>
+          <a:p>
+            <a:pPr indent="0" lvl="0" marL="0" rtl="0" algn="l">
+              <a:spcBef>
+                <a:spcPts val="0"/>
+              </a:spcBef>
+              <a:spcAft>
+                <a:spcPts val="0"/>
+              </a:spcAft>
+              <a:buNone/>
+            </a:pPr>
+            <a:r>
+              <a:t/>
+            </a:r>
+            <a:endParaRPr/>
+          </a:p>
+        </p:txBody>
+      </p:sp>
+    </p:spTree>
+  </p:cSld>
+  <p:clrMapOvr>
+    <a:masterClrMapping/>
+  </p:clrMapOvr>
+</p:notes>
+</file>
+
+<file path=ppt/notesSlides/notesSlide13.xml><?xml version="1.0" encoding="utf-8"?>
+<p:notes xmlns:a="http://schemas.openxmlformats.org/drawingml/2006/main" xmlns:r="http://schemas.openxmlformats.org/officeDocument/2006/relationships" xmlns:mc="http://schemas.openxmlformats.org/markup-compatibility/2006" xmlns:mv="urn:schemas-microsoft-com:mac:vml" xmlns:p="http://schemas.openxmlformats.org/presentationml/2006/main" xmlns:c="http://schemas.openxmlformats.org/drawingml/2006/chart" xmlns:dgm="http://schemas.openxmlformats.org/drawingml/2006/diagram" xmlns:o="urn:schemas-microsoft-com:office:office" xmlns:v="urn:schemas-microsoft-com:vml" xmlns:pvml="urn:schemas-microsoft-com:office:powerpoint" xmlns:com="http://schemas.openxmlformats.org/drawingml/2006/compatibility" xmlns:p14="http://schemas.microsoft.com/office/powerpoint/2010/main" xmlns:p15="http://schemas.microsoft.com/office/powerpoint/2012/main" showMasterPhAnim="0" showMasterSp="0">
+  <p:cSld>
+    <p:spTree>
+      <p:nvGrpSpPr>
+        <p:cNvPr id="134" name="Shape 134"/>
+        <p:cNvGrpSpPr/>
+        <p:nvPr/>
+      </p:nvGrpSpPr>
+      <p:grpSpPr>
+        <a:xfrm>
+          <a:off x="0" y="0"/>
+          <a:ext cx="0" cy="0"/>
+          <a:chOff x="0" y="0"/>
+          <a:chExt cx="0" cy="0"/>
+        </a:xfrm>
+      </p:grpSpPr>
+      <p:sp>
+        <p:nvSpPr>
+          <p:cNvPr id="135" name="Google Shape;135;g33ce0a1145_3_0:notes"/>
+          <p:cNvSpPr/>
+          <p:nvPr>
+            <p:ph idx="2" type="sldImg"/>
+          </p:nvPr>
+        </p:nvSpPr>
+        <p:spPr>
+          <a:xfrm>
+            <a:off x="381300" y="685800"/>
+            <a:ext cx="6096000" cy="3429000"/>
+          </a:xfrm>
+          <a:custGeom>
+            <a:rect b="b" l="l" r="r" t="t"/>
+            <a:pathLst>
+              <a:path extrusionOk="0" h="120000" w="120000">
+                <a:moveTo>
+                  <a:pt x="0" y="0"/>
+                </a:moveTo>
+                <a:lnTo>
+                  <a:pt x="120000" y="0"/>
+                </a:lnTo>
+                <a:lnTo>
+                  <a:pt x="120000" y="120000"/>
+                </a:lnTo>
+                <a:lnTo>
+                  <a:pt x="0" y="120000"/>
+                </a:lnTo>
+                <a:close/>
+              </a:path>
+            </a:pathLst>
+          </a:custGeom>
+        </p:spPr>
+      </p:sp>
+      <p:sp>
+        <p:nvSpPr>
+          <p:cNvPr id="136" name="Google Shape;136;g33ce0a1145_3_0:notes"/>
           <p:cNvSpPr txBox="1"/>
           <p:nvPr>
             <p:ph idx="1" type="body"/>
@@ -1391,7 +1491,7 @@
       </p:grpSpPr>
       <p:sp>
         <p:nvSpPr>
-          <p:cNvPr id="76" name="Google Shape;76;g33ce0a1145_2_8:notes"/>
+          <p:cNvPr id="76" name="Google Shape;76;g4f0e08259f_0_21:notes"/>
           <p:cNvSpPr/>
           <p:nvPr>
             <p:ph idx="2" type="sldImg"/>
@@ -1426,7 +1526,7 @@
       </p:sp>
       <p:sp>
         <p:nvSpPr>
-          <p:cNvPr id="77" name="Google Shape;77;g33ce0a1145_2_8:notes"/>
+          <p:cNvPr id="77" name="Google Shape;77;g4f0e08259f_0_21:notes"/>
           <p:cNvSpPr txBox="1"/>
           <p:nvPr>
             <p:ph idx="1" type="body"/>
@@ -1490,7 +1590,7 @@
       </p:grpSpPr>
       <p:sp>
         <p:nvSpPr>
-          <p:cNvPr id="82" name="Google Shape;82;g4f8ebfb025_1_0:notes"/>
+          <p:cNvPr id="82" name="Google Shape;82;g33ce0a1145_2_8:notes"/>
           <p:cNvSpPr/>
           <p:nvPr>
             <p:ph idx="2" type="sldImg"/>
@@ -1525,7 +1625,7 @@
       </p:sp>
       <p:sp>
         <p:nvSpPr>
-          <p:cNvPr id="83" name="Google Shape;83;g4f8ebfb025_1_0:notes"/>
+          <p:cNvPr id="83" name="Google Shape;83;g33ce0a1145_2_8:notes"/>
           <p:cNvSpPr txBox="1"/>
           <p:nvPr>
             <p:ph idx="1" type="body"/>
@@ -1575,7 +1675,7 @@
   <p:cSld>
     <p:spTree>
       <p:nvGrpSpPr>
-        <p:cNvPr id="91" name="Shape 91"/>
+        <p:cNvPr id="87" name="Shape 87"/>
         <p:cNvGrpSpPr/>
         <p:nvPr/>
       </p:nvGrpSpPr>
@@ -1589,7 +1689,7 @@
       </p:grpSpPr>
       <p:sp>
         <p:nvSpPr>
-          <p:cNvPr id="92" name="Google Shape;92;g33ce0a1145_0_3:notes"/>
+          <p:cNvPr id="88" name="Google Shape;88;g4f8ebfb025_1_0:notes"/>
           <p:cNvSpPr/>
           <p:nvPr>
             <p:ph idx="2" type="sldImg"/>
@@ -1624,7 +1724,7 @@
       </p:sp>
       <p:sp>
         <p:nvSpPr>
-          <p:cNvPr id="93" name="Google Shape;93;g33ce0a1145_0_3:notes"/>
+          <p:cNvPr id="89" name="Google Shape;89;g4f8ebfb025_1_0:notes"/>
           <p:cNvSpPr txBox="1"/>
           <p:nvPr>
             <p:ph idx="1" type="body"/>
@@ -1674,7 +1774,7 @@
   <p:cSld>
     <p:spTree>
       <p:nvGrpSpPr>
-        <p:cNvPr id="99" name="Shape 99"/>
+        <p:cNvPr id="97" name="Shape 97"/>
         <p:cNvGrpSpPr/>
         <p:nvPr/>
       </p:nvGrpSpPr>
@@ -1688,7 +1788,7 @@
       </p:grpSpPr>
       <p:sp>
         <p:nvSpPr>
-          <p:cNvPr id="100" name="Google Shape;100;g4f0e08259f_0_0:notes"/>
+          <p:cNvPr id="98" name="Google Shape;98;g33ce0a1145_0_3:notes"/>
           <p:cNvSpPr/>
           <p:nvPr>
             <p:ph idx="2" type="sldImg"/>
@@ -1723,7 +1823,7 @@
       </p:sp>
       <p:sp>
         <p:nvSpPr>
-          <p:cNvPr id="101" name="Google Shape;101;g4f0e08259f_0_0:notes"/>
+          <p:cNvPr id="99" name="Google Shape;99;g33ce0a1145_0_3:notes"/>
           <p:cNvSpPr txBox="1"/>
           <p:nvPr>
             <p:ph idx="1" type="body"/>
@@ -1773,7 +1873,7 @@
   <p:cSld>
     <p:spTree>
       <p:nvGrpSpPr>
-        <p:cNvPr id="107" name="Shape 107"/>
+        <p:cNvPr id="105" name="Shape 105"/>
         <p:cNvGrpSpPr/>
         <p:nvPr/>
       </p:nvGrpSpPr>
@@ -1787,7 +1887,7 @@
       </p:grpSpPr>
       <p:sp>
         <p:nvSpPr>
-          <p:cNvPr id="108" name="Google Shape;108;g4f0e08259f_0_7:notes"/>
+          <p:cNvPr id="106" name="Google Shape;106;g4f0e08259f_0_0:notes"/>
           <p:cNvSpPr/>
           <p:nvPr>
             <p:ph idx="2" type="sldImg"/>
@@ -1822,7 +1922,7 @@
       </p:sp>
       <p:sp>
         <p:nvSpPr>
-          <p:cNvPr id="109" name="Google Shape;109;g4f0e08259f_0_7:notes"/>
+          <p:cNvPr id="107" name="Google Shape;107;g4f0e08259f_0_0:notes"/>
           <p:cNvSpPr txBox="1"/>
           <p:nvPr>
             <p:ph idx="1" type="body"/>
@@ -6711,6 +6811,333 @@
             </a:pPr>
             <a:r>
               <a:rPr lang="en"/>
+              <a:t>Data and Information Input Analysis</a:t>
+            </a:r>
+            <a:endParaRPr/>
+          </a:p>
+        </p:txBody>
+      </p:sp>
+      <p:sp>
+        <p:nvSpPr>
+          <p:cNvPr id="118" name="Google Shape;118;p22"/>
+          <p:cNvSpPr txBox="1"/>
+          <p:nvPr>
+            <p:ph idx="1" type="body"/>
+          </p:nvPr>
+        </p:nvSpPr>
+        <p:spPr>
+          <a:xfrm>
+            <a:off x="311700" y="1152475"/>
+            <a:ext cx="8520600" cy="3990900"/>
+          </a:xfrm>
+          <a:prstGeom prst="rect">
+            <a:avLst/>
+          </a:prstGeom>
+        </p:spPr>
+        <p:txBody>
+          <a:bodyPr anchorCtr="0" anchor="t" bIns="91425" lIns="91425" spcFirstLastPara="1" rIns="91425" wrap="square" tIns="91425">
+            <a:noAutofit/>
+          </a:bodyPr>
+          <a:lstStyle/>
+          <a:p>
+            <a:pPr indent="-342900" lvl="0" marL="457200" rtl="0" algn="l">
+              <a:spcBef>
+                <a:spcPts val="0"/>
+              </a:spcBef>
+              <a:spcAft>
+                <a:spcPts val="0"/>
+              </a:spcAft>
+              <a:buSzPts val="1800"/>
+              <a:buChar char="●"/>
+            </a:pPr>
+            <a:r>
+              <a:rPr lang="en"/>
+              <a:t>Book Search</a:t>
+            </a:r>
+            <a:endParaRPr/>
+          </a:p>
+          <a:p>
+            <a:pPr indent="-317500" lvl="1" marL="914400" rtl="0" algn="l">
+              <a:spcBef>
+                <a:spcPts val="0"/>
+              </a:spcBef>
+              <a:spcAft>
+                <a:spcPts val="0"/>
+              </a:spcAft>
+              <a:buSzPts val="1400"/>
+              <a:buChar char="○"/>
+            </a:pPr>
+            <a:r>
+              <a:rPr lang="en"/>
+              <a:t>Complexity of O(n)</a:t>
+            </a:r>
+            <a:endParaRPr/>
+          </a:p>
+          <a:p>
+            <a:pPr indent="-317500" lvl="1" marL="914400" rtl="0" algn="l">
+              <a:spcBef>
+                <a:spcPts val="0"/>
+              </a:spcBef>
+              <a:spcAft>
+                <a:spcPts val="0"/>
+              </a:spcAft>
+              <a:buSzPts val="1400"/>
+              <a:buChar char="○"/>
+            </a:pPr>
+            <a:r>
+              <a:rPr lang="en"/>
+              <a:t>Dependent on internet speed</a:t>
+            </a:r>
+            <a:endParaRPr/>
+          </a:p>
+          <a:p>
+            <a:pPr indent="-317500" lvl="1" marL="914400" rtl="0" algn="l">
+              <a:spcBef>
+                <a:spcPts val="0"/>
+              </a:spcBef>
+              <a:spcAft>
+                <a:spcPts val="0"/>
+              </a:spcAft>
+              <a:buSzPts val="1400"/>
+              <a:buChar char="○"/>
+            </a:pPr>
+            <a:r>
+              <a:rPr lang="en"/>
+              <a:t>The time is directly link to the number of books being searched for</a:t>
+            </a:r>
+            <a:endParaRPr/>
+          </a:p>
+          <a:p>
+            <a:pPr indent="-342900" lvl="0" marL="457200" rtl="0" algn="l">
+              <a:spcBef>
+                <a:spcPts val="0"/>
+              </a:spcBef>
+              <a:spcAft>
+                <a:spcPts val="0"/>
+              </a:spcAft>
+              <a:buSzPts val="1800"/>
+              <a:buChar char="●"/>
+            </a:pPr>
+            <a:r>
+              <a:rPr lang="en"/>
+              <a:t>Podcast Search and Download</a:t>
+            </a:r>
+            <a:endParaRPr/>
+          </a:p>
+          <a:p>
+            <a:pPr indent="-317500" lvl="1" marL="914400" rtl="0" algn="l">
+              <a:spcBef>
+                <a:spcPts val="0"/>
+              </a:spcBef>
+              <a:spcAft>
+                <a:spcPts val="0"/>
+              </a:spcAft>
+              <a:buSzPts val="1400"/>
+              <a:buChar char="○"/>
+            </a:pPr>
+            <a:r>
+              <a:rPr lang="en"/>
+              <a:t>Complexity of O(n)</a:t>
+            </a:r>
+            <a:endParaRPr/>
+          </a:p>
+          <a:p>
+            <a:pPr indent="-317500" lvl="1" marL="914400" rtl="0" algn="l">
+              <a:spcBef>
+                <a:spcPts val="0"/>
+              </a:spcBef>
+              <a:spcAft>
+                <a:spcPts val="0"/>
+              </a:spcAft>
+              <a:buSzPts val="1400"/>
+              <a:buChar char="○"/>
+            </a:pPr>
+            <a:r>
+              <a:rPr lang="en"/>
+              <a:t>Dependent of internet speed</a:t>
+            </a:r>
+            <a:endParaRPr/>
+          </a:p>
+          <a:p>
+            <a:pPr indent="-317500" lvl="1" marL="914400" rtl="0" algn="l">
+              <a:spcBef>
+                <a:spcPts val="0"/>
+              </a:spcBef>
+              <a:spcAft>
+                <a:spcPts val="0"/>
+              </a:spcAft>
+              <a:buSzPts val="1400"/>
+              <a:buChar char="○"/>
+            </a:pPr>
+            <a:r>
+              <a:rPr lang="en"/>
+              <a:t>Download is dependent on:</a:t>
+            </a:r>
+            <a:endParaRPr/>
+          </a:p>
+          <a:p>
+            <a:pPr indent="-317500" lvl="2" marL="1371600" rtl="0" algn="l">
+              <a:spcBef>
+                <a:spcPts val="0"/>
+              </a:spcBef>
+              <a:spcAft>
+                <a:spcPts val="0"/>
+              </a:spcAft>
+              <a:buSzPts val="1400"/>
+              <a:buChar char="■"/>
+            </a:pPr>
+            <a:r>
+              <a:rPr lang="en"/>
+              <a:t>Number to be downloaded </a:t>
+            </a:r>
+            <a:endParaRPr/>
+          </a:p>
+          <a:p>
+            <a:pPr indent="-317500" lvl="2" marL="1371600" rtl="0" algn="l">
+              <a:spcBef>
+                <a:spcPts val="0"/>
+              </a:spcBef>
+              <a:spcAft>
+                <a:spcPts val="0"/>
+              </a:spcAft>
+              <a:buSzPts val="1400"/>
+              <a:buChar char="■"/>
+            </a:pPr>
+            <a:r>
+              <a:rPr lang="en"/>
+              <a:t>Size of each file</a:t>
+            </a:r>
+            <a:endParaRPr/>
+          </a:p>
+          <a:p>
+            <a:pPr indent="-342900" lvl="0" marL="457200" rtl="0" algn="l">
+              <a:spcBef>
+                <a:spcPts val="0"/>
+              </a:spcBef>
+              <a:spcAft>
+                <a:spcPts val="0"/>
+              </a:spcAft>
+              <a:buSzPts val="1800"/>
+              <a:buChar char="●"/>
+            </a:pPr>
+            <a:r>
+              <a:rPr lang="en"/>
+              <a:t>Recommendation</a:t>
+            </a:r>
+            <a:endParaRPr/>
+          </a:p>
+          <a:p>
+            <a:pPr indent="-317500" lvl="1" marL="914400" rtl="0" algn="l">
+              <a:spcBef>
+                <a:spcPts val="0"/>
+              </a:spcBef>
+              <a:spcAft>
+                <a:spcPts val="0"/>
+              </a:spcAft>
+              <a:buSzPts val="1400"/>
+              <a:buChar char="○"/>
+            </a:pPr>
+            <a:r>
+              <a:rPr lang="en"/>
+              <a:t>Complexity may require more research</a:t>
+            </a:r>
+            <a:endParaRPr/>
+          </a:p>
+          <a:p>
+            <a:pPr indent="-317500" lvl="2" marL="1371600" rtl="0" algn="l">
+              <a:spcBef>
+                <a:spcPts val="0"/>
+              </a:spcBef>
+              <a:spcAft>
+                <a:spcPts val="0"/>
+              </a:spcAft>
+              <a:buSzPts val="1400"/>
+              <a:buChar char="■"/>
+            </a:pPr>
+            <a:r>
+              <a:rPr lang="en"/>
+              <a:t>Depends on internet speed</a:t>
+            </a:r>
+            <a:endParaRPr/>
+          </a:p>
+          <a:p>
+            <a:pPr indent="-317500" lvl="2" marL="1371600" rtl="0" algn="l">
+              <a:spcBef>
+                <a:spcPts val="0"/>
+              </a:spcBef>
+              <a:spcAft>
+                <a:spcPts val="0"/>
+              </a:spcAft>
+              <a:buSzPts val="1400"/>
+              <a:buChar char="■"/>
+            </a:pPr>
+            <a:r>
+              <a:rPr lang="en"/>
+              <a:t>Depends on current amount of data in the database</a:t>
+            </a:r>
+            <a:endParaRPr/>
+          </a:p>
+        </p:txBody>
+      </p:sp>
+    </p:spTree>
+  </p:cSld>
+  <p:clrMapOvr>
+    <a:masterClrMapping/>
+  </p:clrMapOvr>
+</p:sld>
+</file>
+
+<file path=ppt/slides/slide11.xml><?xml version="1.0" encoding="utf-8"?>
+<p:sld xmlns:a="http://schemas.openxmlformats.org/drawingml/2006/main" xmlns:r="http://schemas.openxmlformats.org/officeDocument/2006/relationships" xmlns:mc="http://schemas.openxmlformats.org/markup-compatibility/2006" xmlns:mv="urn:schemas-microsoft-com:mac:vml" xmlns:p="http://schemas.openxmlformats.org/presentationml/2006/main" xmlns:c="http://schemas.openxmlformats.org/drawingml/2006/chart" xmlns:dgm="http://schemas.openxmlformats.org/drawingml/2006/diagram" xmlns:o="urn:schemas-microsoft-com:office:office" xmlns:v="urn:schemas-microsoft-com:vml" xmlns:pvml="urn:schemas-microsoft-com:office:powerpoint" xmlns:com="http://schemas.openxmlformats.org/drawingml/2006/compatibility" xmlns:p14="http://schemas.microsoft.com/office/powerpoint/2010/main" xmlns:p15="http://schemas.microsoft.com/office/powerpoint/2012/main">
+  <p:cSld>
+    <p:spTree>
+      <p:nvGrpSpPr>
+        <p:cNvPr id="122" name="Shape 122"/>
+        <p:cNvGrpSpPr/>
+        <p:nvPr/>
+      </p:nvGrpSpPr>
+      <p:grpSpPr>
+        <a:xfrm>
+          <a:off x="0" y="0"/>
+          <a:ext cx="0" cy="0"/>
+          <a:chOff x="0" y="0"/>
+          <a:chExt cx="0" cy="0"/>
+        </a:xfrm>
+      </p:grpSpPr>
+      <p:sp>
+        <p:nvSpPr>
+          <p:cNvPr id="123" name="Google Shape;123;p23"/>
+          <p:cNvSpPr txBox="1"/>
+          <p:nvPr>
+            <p:ph type="title"/>
+          </p:nvPr>
+        </p:nvSpPr>
+        <p:spPr>
+          <a:xfrm>
+            <a:off x="311700" y="445025"/>
+            <a:ext cx="8520600" cy="572700"/>
+          </a:xfrm>
+          <a:prstGeom prst="rect">
+            <a:avLst/>
+          </a:prstGeom>
+        </p:spPr>
+        <p:txBody>
+          <a:bodyPr anchorCtr="0" anchor="t" bIns="91425" lIns="91425" spcFirstLastPara="1" rIns="91425" wrap="square" tIns="91425">
+            <a:noAutofit/>
+          </a:bodyPr>
+          <a:lstStyle/>
+          <a:p>
+            <a:pPr indent="0" lvl="0" marL="0" rtl="0" algn="l">
+              <a:spcBef>
+                <a:spcPts val="0"/>
+              </a:spcBef>
+              <a:spcAft>
+                <a:spcPts val="0"/>
+              </a:spcAft>
+              <a:buNone/>
+            </a:pPr>
+            <a:r>
+              <a:rPr lang="en"/>
               <a:t>Data Transfer</a:t>
             </a:r>
             <a:endParaRPr/>
@@ -6719,7 +7146,7 @@
       </p:sp>
       <p:sp>
         <p:nvSpPr>
-          <p:cNvPr id="118" name="Google Shape;118;p22"/>
+          <p:cNvPr id="124" name="Google Shape;124;p23"/>
           <p:cNvSpPr txBox="1"/>
           <p:nvPr>
             <p:ph idx="1" type="body"/>
@@ -6774,7 +7201,7 @@
       </p:sp>
       <p:pic>
         <p:nvPicPr>
-          <p:cNvPr id="119" name="Google Shape;119;p22"/>
+          <p:cNvPr id="125" name="Google Shape;125;p23"/>
           <p:cNvPicPr preferRelativeResize="0"/>
           <p:nvPr/>
         </p:nvPicPr>
@@ -6802,7 +7229,7 @@
       </p:pic>
       <p:pic>
         <p:nvPicPr>
-          <p:cNvPr id="120" name="Google Shape;120;p22"/>
+          <p:cNvPr id="126" name="Google Shape;126;p23"/>
           <p:cNvPicPr preferRelativeResize="0"/>
           <p:nvPr/>
         </p:nvPicPr>
@@ -6836,12 +7263,12 @@
 </p:sld>
 </file>
 
-<file path=ppt/slides/slide11.xml><?xml version="1.0" encoding="utf-8"?>
+<file path=ppt/slides/slide12.xml><?xml version="1.0" encoding="utf-8"?>
 <p:sld xmlns:a="http://schemas.openxmlformats.org/drawingml/2006/main" xmlns:r="http://schemas.openxmlformats.org/officeDocument/2006/relationships" xmlns:mc="http://schemas.openxmlformats.org/markup-compatibility/2006" xmlns:mv="urn:schemas-microsoft-com:mac:vml" xmlns:p="http://schemas.openxmlformats.org/presentationml/2006/main" xmlns:c="http://schemas.openxmlformats.org/drawingml/2006/chart" xmlns:dgm="http://schemas.openxmlformats.org/drawingml/2006/diagram" xmlns:o="urn:schemas-microsoft-com:office:office" xmlns:v="urn:schemas-microsoft-com:vml" xmlns:pvml="urn:schemas-microsoft-com:office:powerpoint" xmlns:com="http://schemas.openxmlformats.org/drawingml/2006/compatibility" xmlns:p14="http://schemas.microsoft.com/office/powerpoint/2010/main" xmlns:p15="http://schemas.microsoft.com/office/powerpoint/2012/main">
   <p:cSld>
     <p:spTree>
       <p:nvGrpSpPr>
-        <p:cNvPr id="124" name="Shape 124"/>
+        <p:cNvPr id="130" name="Shape 130"/>
         <p:cNvGrpSpPr/>
         <p:nvPr/>
       </p:nvGrpSpPr>
@@ -6855,7 +7282,7 @@
       </p:grpSpPr>
       <p:sp>
         <p:nvSpPr>
-          <p:cNvPr id="125" name="Google Shape;125;p23"/>
+          <p:cNvPr id="131" name="Google Shape;131;p24"/>
           <p:cNvSpPr txBox="1"/>
           <p:nvPr>
             <p:ph type="title"/>
@@ -6895,7 +7322,7 @@
       </p:sp>
       <p:sp>
         <p:nvSpPr>
-          <p:cNvPr id="126" name="Google Shape;126;p23"/>
+          <p:cNvPr id="132" name="Google Shape;132;p24"/>
           <p:cNvSpPr txBox="1"/>
           <p:nvPr>
             <p:ph idx="1" type="body"/>
@@ -6940,7 +7367,7 @@
       </p:sp>
       <p:pic>
         <p:nvPicPr>
-          <p:cNvPr id="127" name="Google Shape;127;p23"/>
+          <p:cNvPr id="133" name="Google Shape;133;p24"/>
           <p:cNvPicPr preferRelativeResize="0"/>
           <p:nvPr/>
         </p:nvPicPr>
@@ -6974,12 +7401,12 @@
 </p:sld>
 </file>
 
-<file path=ppt/slides/slide12.xml><?xml version="1.0" encoding="utf-8"?>
+<file path=ppt/slides/slide13.xml><?xml version="1.0" encoding="utf-8"?>
 <p:sld xmlns:a="http://schemas.openxmlformats.org/drawingml/2006/main" xmlns:r="http://schemas.openxmlformats.org/officeDocument/2006/relationships" xmlns:mc="http://schemas.openxmlformats.org/markup-compatibility/2006" xmlns:mv="urn:schemas-microsoft-com:mac:vml" xmlns:p="http://schemas.openxmlformats.org/presentationml/2006/main" xmlns:c="http://schemas.openxmlformats.org/drawingml/2006/chart" xmlns:dgm="http://schemas.openxmlformats.org/drawingml/2006/diagram" xmlns:o="urn:schemas-microsoft-com:office:office" xmlns:v="urn:schemas-microsoft-com:vml" xmlns:pvml="urn:schemas-microsoft-com:office:powerpoint" xmlns:com="http://schemas.openxmlformats.org/drawingml/2006/compatibility" xmlns:p14="http://schemas.microsoft.com/office/powerpoint/2010/main" xmlns:p15="http://schemas.microsoft.com/office/powerpoint/2012/main">
   <p:cSld>
     <p:spTree>
       <p:nvGrpSpPr>
-        <p:cNvPr id="131" name="Shape 131"/>
+        <p:cNvPr id="137" name="Shape 137"/>
         <p:cNvGrpSpPr/>
         <p:nvPr/>
       </p:nvGrpSpPr>
@@ -6993,7 +7420,7 @@
       </p:grpSpPr>
       <p:sp>
         <p:nvSpPr>
-          <p:cNvPr id="132" name="Google Shape;132;p24"/>
+          <p:cNvPr id="138" name="Google Shape;138;p25"/>
           <p:cNvSpPr txBox="1"/>
           <p:nvPr>
             <p:ph type="title"/>
@@ -7033,7 +7460,7 @@
       </p:sp>
       <p:sp>
         <p:nvSpPr>
-          <p:cNvPr id="133" name="Google Shape;133;p24"/>
+          <p:cNvPr id="139" name="Google Shape;139;p25"/>
           <p:cNvSpPr txBox="1"/>
           <p:nvPr>
             <p:ph idx="1" type="body"/>
@@ -7089,7 +7516,7 @@
       </p:sp>
       <p:pic>
         <p:nvPicPr>
-          <p:cNvPr id="134" name="Google Shape;134;p24"/>
+          <p:cNvPr id="140" name="Google Shape;140;p25"/>
           <p:cNvPicPr preferRelativeResize="0"/>
           <p:nvPr/>
         </p:nvPicPr>
@@ -7508,7 +7935,7 @@
             <a:tbl>
               <a:tblPr>
                 <a:noFill/>
-                <a:tableStyleId>{A76B56BF-0389-4B2B-917E-F9EB1818B100}</a:tableStyleId>
+                <a:tableStyleId>{3B2D73E6-5146-4D97-8FC3-256AF278154F}</a:tableStyleId>
               </a:tblPr>
               <a:tblGrid>
                 <a:gridCol w="1981200"/>
@@ -8033,6 +8460,99 @@
         <p:spPr>
           <a:xfrm>
             <a:off x="311700" y="445025"/>
+            <a:ext cx="8520600" cy="572700"/>
+          </a:xfrm>
+          <a:prstGeom prst="rect">
+            <a:avLst/>
+          </a:prstGeom>
+        </p:spPr>
+        <p:txBody>
+          <a:bodyPr anchorCtr="0" anchor="t" bIns="91425" lIns="91425" spcFirstLastPara="1" rIns="91425" wrap="square" tIns="91425">
+            <a:noAutofit/>
+          </a:bodyPr>
+          <a:lstStyle/>
+          <a:p>
+            <a:pPr indent="0" lvl="0" marL="0" rtl="0" algn="l">
+              <a:spcBef>
+                <a:spcPts val="0"/>
+              </a:spcBef>
+              <a:spcAft>
+                <a:spcPts val="0"/>
+              </a:spcAft>
+              <a:buNone/>
+            </a:pPr>
+            <a:r>
+              <a:rPr lang="en"/>
+              <a:t>Data Flow</a:t>
+            </a:r>
+            <a:endParaRPr/>
+          </a:p>
+        </p:txBody>
+      </p:sp>
+      <p:pic>
+        <p:nvPicPr>
+          <p:cNvPr id="80" name="Google Shape;80;p17"/>
+          <p:cNvPicPr preferRelativeResize="0"/>
+          <p:nvPr/>
+        </p:nvPicPr>
+        <p:blipFill>
+          <a:blip r:embed="rId3">
+            <a:alphaModFix/>
+          </a:blip>
+          <a:stretch>
+            <a:fillRect/>
+          </a:stretch>
+        </p:blipFill>
+        <p:spPr>
+          <a:xfrm>
+            <a:off x="311700" y="1069200"/>
+            <a:ext cx="6010525" cy="3891600"/>
+          </a:xfrm>
+          <a:prstGeom prst="rect">
+            <a:avLst/>
+          </a:prstGeom>
+          <a:noFill/>
+          <a:ln>
+            <a:noFill/>
+          </a:ln>
+        </p:spPr>
+      </p:pic>
+    </p:spTree>
+  </p:cSld>
+  <p:clrMapOvr>
+    <a:masterClrMapping/>
+  </p:clrMapOvr>
+</p:sld>
+</file>
+
+<file path=ppt/slides/slide6.xml><?xml version="1.0" encoding="utf-8"?>
+<p:sld xmlns:a="http://schemas.openxmlformats.org/drawingml/2006/main" xmlns:r="http://schemas.openxmlformats.org/officeDocument/2006/relationships" xmlns:mc="http://schemas.openxmlformats.org/markup-compatibility/2006" xmlns:mv="urn:schemas-microsoft-com:mac:vml" xmlns:p="http://schemas.openxmlformats.org/presentationml/2006/main" xmlns:c="http://schemas.openxmlformats.org/drawingml/2006/chart" xmlns:dgm="http://schemas.openxmlformats.org/drawingml/2006/diagram" xmlns:o="urn:schemas-microsoft-com:office:office" xmlns:v="urn:schemas-microsoft-com:vml" xmlns:pvml="urn:schemas-microsoft-com:office:powerpoint" xmlns:com="http://schemas.openxmlformats.org/drawingml/2006/compatibility" xmlns:p14="http://schemas.microsoft.com/office/powerpoint/2010/main" xmlns:p15="http://schemas.microsoft.com/office/powerpoint/2012/main">
+  <p:cSld>
+    <p:spTree>
+      <p:nvGrpSpPr>
+        <p:cNvPr id="84" name="Shape 84"/>
+        <p:cNvGrpSpPr/>
+        <p:nvPr/>
+      </p:nvGrpSpPr>
+      <p:grpSpPr>
+        <a:xfrm>
+          <a:off x="0" y="0"/>
+          <a:ext cx="0" cy="0"/>
+          <a:chOff x="0" y="0"/>
+          <a:chExt cx="0" cy="0"/>
+        </a:xfrm>
+      </p:grpSpPr>
+      <p:sp>
+        <p:nvSpPr>
+          <p:cNvPr id="85" name="Google Shape;85;p18"/>
+          <p:cNvSpPr txBox="1"/>
+          <p:nvPr>
+            <p:ph type="title"/>
+          </p:nvPr>
+        </p:nvSpPr>
+        <p:spPr>
+          <a:xfrm>
+            <a:off x="311700" y="445025"/>
             <a:ext cx="8520600" cy="1209900"/>
           </a:xfrm>
           <a:prstGeom prst="rect">
@@ -8084,7 +8604,7 @@
       </p:sp>
       <p:pic>
         <p:nvPicPr>
-          <p:cNvPr id="80" name="Google Shape;80;p17"/>
+          <p:cNvPr id="86" name="Google Shape;86;p18"/>
           <p:cNvPicPr preferRelativeResize="0"/>
           <p:nvPr/>
         </p:nvPicPr>
@@ -8118,12 +8638,12 @@
 </p:sld>
 </file>
 
-<file path=ppt/slides/slide6.xml><?xml version="1.0" encoding="utf-8"?>
+<file path=ppt/slides/slide7.xml><?xml version="1.0" encoding="utf-8"?>
 <p:sld xmlns:a="http://schemas.openxmlformats.org/drawingml/2006/main" xmlns:r="http://schemas.openxmlformats.org/officeDocument/2006/relationships" xmlns:mc="http://schemas.openxmlformats.org/markup-compatibility/2006" xmlns:mv="urn:schemas-microsoft-com:mac:vml" xmlns:p="http://schemas.openxmlformats.org/presentationml/2006/main" xmlns:c="http://schemas.openxmlformats.org/drawingml/2006/chart" xmlns:dgm="http://schemas.openxmlformats.org/drawingml/2006/diagram" xmlns:o="urn:schemas-microsoft-com:office:office" xmlns:v="urn:schemas-microsoft-com:vml" xmlns:pvml="urn:schemas-microsoft-com:office:powerpoint" xmlns:com="http://schemas.openxmlformats.org/drawingml/2006/compatibility" xmlns:p14="http://schemas.microsoft.com/office/powerpoint/2010/main" xmlns:p15="http://schemas.microsoft.com/office/powerpoint/2012/main" show="0">
   <p:cSld>
     <p:spTree>
       <p:nvGrpSpPr>
-        <p:cNvPr id="84" name="Shape 84"/>
+        <p:cNvPr id="90" name="Shape 90"/>
         <p:cNvGrpSpPr/>
         <p:nvPr/>
       </p:nvGrpSpPr>
@@ -8137,7 +8657,7 @@
       </p:grpSpPr>
       <p:sp>
         <p:nvSpPr>
-          <p:cNvPr id="85" name="Google Shape;85;p18"/>
+          <p:cNvPr id="91" name="Google Shape;91;p19"/>
           <p:cNvSpPr txBox="1"/>
           <p:nvPr>
             <p:ph type="title"/>
@@ -8177,7 +8697,7 @@
       </p:sp>
       <p:sp>
         <p:nvSpPr>
-          <p:cNvPr id="86" name="Google Shape;86;p18"/>
+          <p:cNvPr id="92" name="Google Shape;92;p19"/>
           <p:cNvSpPr txBox="1"/>
           <p:nvPr>
             <p:ph idx="1" type="body"/>
@@ -8249,7 +8769,7 @@
       </p:sp>
       <p:pic>
         <p:nvPicPr>
-          <p:cNvPr id="87" name="Google Shape;87;p18"/>
+          <p:cNvPr id="93" name="Google Shape;93;p19"/>
           <p:cNvPicPr preferRelativeResize="0"/>
           <p:nvPr/>
         </p:nvPicPr>
@@ -8277,7 +8797,7 @@
       </p:pic>
       <p:pic>
         <p:nvPicPr>
-          <p:cNvPr id="88" name="Google Shape;88;p18"/>
+          <p:cNvPr id="94" name="Google Shape;94;p19"/>
           <p:cNvPicPr preferRelativeResize="0"/>
           <p:nvPr/>
         </p:nvPicPr>
@@ -8305,7 +8825,7 @@
       </p:pic>
       <p:pic>
         <p:nvPicPr>
-          <p:cNvPr id="89" name="Google Shape;89;p18"/>
+          <p:cNvPr id="95" name="Google Shape;95;p19"/>
           <p:cNvPicPr preferRelativeResize="0"/>
           <p:nvPr/>
         </p:nvPicPr>
@@ -8333,7 +8853,7 @@
       </p:pic>
       <p:pic>
         <p:nvPicPr>
-          <p:cNvPr id="90" name="Google Shape;90;p18"/>
+          <p:cNvPr id="96" name="Google Shape;96;p19"/>
           <p:cNvPicPr preferRelativeResize="0"/>
           <p:nvPr/>
         </p:nvPicPr>
@@ -8367,12 +8887,12 @@
 </p:sld>
 </file>
 
-<file path=ppt/slides/slide7.xml><?xml version="1.0" encoding="utf-8"?>
+<file path=ppt/slides/slide8.xml><?xml version="1.0" encoding="utf-8"?>
 <p:sld xmlns:a="http://schemas.openxmlformats.org/drawingml/2006/main" xmlns:r="http://schemas.openxmlformats.org/officeDocument/2006/relationships" xmlns:mc="http://schemas.openxmlformats.org/markup-compatibility/2006" xmlns:mv="urn:schemas-microsoft-com:mac:vml" xmlns:p="http://schemas.openxmlformats.org/presentationml/2006/main" xmlns:c="http://schemas.openxmlformats.org/drawingml/2006/chart" xmlns:dgm="http://schemas.openxmlformats.org/drawingml/2006/diagram" xmlns:o="urn:schemas-microsoft-com:office:office" xmlns:v="urn:schemas-microsoft-com:vml" xmlns:pvml="urn:schemas-microsoft-com:office:powerpoint" xmlns:com="http://schemas.openxmlformats.org/drawingml/2006/compatibility" xmlns:p14="http://schemas.microsoft.com/office/powerpoint/2010/main" xmlns:p15="http://schemas.microsoft.com/office/powerpoint/2012/main">
   <p:cSld>
     <p:spTree>
       <p:nvGrpSpPr>
-        <p:cNvPr id="94" name="Shape 94"/>
+        <p:cNvPr id="100" name="Shape 100"/>
         <p:cNvGrpSpPr/>
         <p:nvPr/>
       </p:nvGrpSpPr>
@@ -8386,7 +8906,7 @@
       </p:grpSpPr>
       <p:pic>
         <p:nvPicPr>
-          <p:cNvPr id="95" name="Google Shape;95;p19"/>
+          <p:cNvPr id="101" name="Google Shape;101;p20"/>
           <p:cNvPicPr preferRelativeResize="0"/>
           <p:nvPr/>
         </p:nvPicPr>
@@ -8414,7 +8934,7 @@
       </p:pic>
       <p:pic>
         <p:nvPicPr>
-          <p:cNvPr id="96" name="Google Shape;96;p19"/>
+          <p:cNvPr id="102" name="Google Shape;102;p20"/>
           <p:cNvPicPr preferRelativeResize="0"/>
           <p:nvPr/>
         </p:nvPicPr>
@@ -8442,7 +8962,7 @@
       </p:pic>
       <p:pic>
         <p:nvPicPr>
-          <p:cNvPr id="97" name="Google Shape;97;p19"/>
+          <p:cNvPr id="103" name="Google Shape;103;p20"/>
           <p:cNvPicPr preferRelativeResize="0"/>
           <p:nvPr/>
         </p:nvPicPr>
@@ -8470,7 +8990,7 @@
       </p:pic>
       <p:sp>
         <p:nvSpPr>
-          <p:cNvPr id="98" name="Google Shape;98;p19"/>
+          <p:cNvPr id="104" name="Google Shape;104;p20"/>
           <p:cNvSpPr txBox="1"/>
           <p:nvPr/>
         </p:nvSpPr>
@@ -8558,12 +9078,12 @@
 </p:sld>
 </file>
 
-<file path=ppt/slides/slide8.xml><?xml version="1.0" encoding="utf-8"?>
+<file path=ppt/slides/slide9.xml><?xml version="1.0" encoding="utf-8"?>
 <p:sld xmlns:a="http://schemas.openxmlformats.org/drawingml/2006/main" xmlns:r="http://schemas.openxmlformats.org/officeDocument/2006/relationships" xmlns:mc="http://schemas.openxmlformats.org/markup-compatibility/2006" xmlns:mv="urn:schemas-microsoft-com:mac:vml" xmlns:p="http://schemas.openxmlformats.org/presentationml/2006/main" xmlns:c="http://schemas.openxmlformats.org/drawingml/2006/chart" xmlns:dgm="http://schemas.openxmlformats.org/drawingml/2006/diagram" xmlns:o="urn:schemas-microsoft-com:office:office" xmlns:v="urn:schemas-microsoft-com:vml" xmlns:pvml="urn:schemas-microsoft-com:office:powerpoint" xmlns:com="http://schemas.openxmlformats.org/drawingml/2006/compatibility" xmlns:p14="http://schemas.microsoft.com/office/powerpoint/2010/main" xmlns:p15="http://schemas.microsoft.com/office/powerpoint/2012/main">
   <p:cSld>
     <p:spTree>
       <p:nvGrpSpPr>
-        <p:cNvPr id="102" name="Shape 102"/>
+        <p:cNvPr id="108" name="Shape 108"/>
         <p:cNvGrpSpPr/>
         <p:nvPr/>
       </p:nvGrpSpPr>
@@ -8577,7 +9097,7 @@
       </p:grpSpPr>
       <p:sp>
         <p:nvSpPr>
-          <p:cNvPr id="103" name="Google Shape;103;p20"/>
+          <p:cNvPr id="109" name="Google Shape;109;p21"/>
           <p:cNvSpPr txBox="1"/>
           <p:nvPr>
             <p:ph type="title"/>
@@ -8617,7 +9137,7 @@
       </p:sp>
       <p:sp>
         <p:nvSpPr>
-          <p:cNvPr id="104" name="Google Shape;104;p20"/>
+          <p:cNvPr id="110" name="Google Shape;110;p21"/>
           <p:cNvSpPr txBox="1"/>
           <p:nvPr>
             <p:ph idx="1" type="body"/>
@@ -8673,7 +9193,7 @@
       </p:sp>
       <p:pic>
         <p:nvPicPr>
-          <p:cNvPr id="105" name="Google Shape;105;p20"/>
+          <p:cNvPr id="111" name="Google Shape;111;p21"/>
           <p:cNvPicPr preferRelativeResize="0"/>
           <p:nvPr/>
         </p:nvPicPr>
@@ -8701,7 +9221,7 @@
       </p:pic>
       <p:pic>
         <p:nvPicPr>
-          <p:cNvPr id="106" name="Google Shape;106;p20"/>
+          <p:cNvPr id="112" name="Google Shape;112;p21"/>
           <p:cNvPicPr preferRelativeResize="0"/>
           <p:nvPr/>
         </p:nvPicPr>
@@ -8735,334 +9255,286 @@
 </p:sld>
 </file>
 
-<file path=ppt/slides/slide9.xml><?xml version="1.0" encoding="utf-8"?>
-<p:sld xmlns:a="http://schemas.openxmlformats.org/drawingml/2006/main" xmlns:r="http://schemas.openxmlformats.org/officeDocument/2006/relationships" xmlns:mc="http://schemas.openxmlformats.org/markup-compatibility/2006" xmlns:mv="urn:schemas-microsoft-com:mac:vml" xmlns:p="http://schemas.openxmlformats.org/presentationml/2006/main" xmlns:c="http://schemas.openxmlformats.org/drawingml/2006/chart" xmlns:dgm="http://schemas.openxmlformats.org/drawingml/2006/diagram" xmlns:o="urn:schemas-microsoft-com:office:office" xmlns:v="urn:schemas-microsoft-com:vml" xmlns:pvml="urn:schemas-microsoft-com:office:powerpoint" xmlns:com="http://schemas.openxmlformats.org/drawingml/2006/compatibility" xmlns:p14="http://schemas.microsoft.com/office/powerpoint/2010/main" xmlns:p15="http://schemas.microsoft.com/office/powerpoint/2012/main">
-  <p:cSld>
-    <p:spTree>
-      <p:nvGrpSpPr>
-        <p:cNvPr id="110" name="Shape 110"/>
-        <p:cNvGrpSpPr/>
-        <p:nvPr/>
-      </p:nvGrpSpPr>
-      <p:grpSpPr>
-        <a:xfrm>
-          <a:off x="0" y="0"/>
-          <a:ext cx="0" cy="0"/>
-          <a:chOff x="0" y="0"/>
-          <a:chExt cx="0" cy="0"/>
-        </a:xfrm>
-      </p:grpSpPr>
-      <p:sp>
-        <p:nvSpPr>
-          <p:cNvPr id="111" name="Google Shape;111;p21"/>
-          <p:cNvSpPr txBox="1"/>
-          <p:nvPr>
-            <p:ph type="title"/>
-          </p:nvPr>
-        </p:nvSpPr>
-        <p:spPr>
-          <a:xfrm>
-            <a:off x="311700" y="445025"/>
-            <a:ext cx="8520600" cy="572700"/>
-          </a:xfrm>
-          <a:prstGeom prst="rect">
-            <a:avLst/>
-          </a:prstGeom>
-        </p:spPr>
-        <p:txBody>
-          <a:bodyPr anchorCtr="0" anchor="t" bIns="91425" lIns="91425" spcFirstLastPara="1" rIns="91425" wrap="square" tIns="91425">
-            <a:noAutofit/>
-          </a:bodyPr>
-          <a:lstStyle/>
-          <a:p>
-            <a:pPr indent="0" lvl="0" marL="0" rtl="0" algn="l">
-              <a:spcBef>
-                <a:spcPts val="0"/>
-              </a:spcBef>
-              <a:spcAft>
-                <a:spcPts val="0"/>
-              </a:spcAft>
-              <a:buNone/>
-            </a:pPr>
-            <a:r>
-              <a:rPr lang="en"/>
-              <a:t>Data and Information Input Analysis</a:t>
-            </a:r>
-            <a:endParaRPr/>
-          </a:p>
-        </p:txBody>
-      </p:sp>
-      <p:sp>
-        <p:nvSpPr>
-          <p:cNvPr id="112" name="Google Shape;112;p21"/>
-          <p:cNvSpPr txBox="1"/>
-          <p:nvPr>
-            <p:ph idx="1" type="body"/>
-          </p:nvPr>
-        </p:nvSpPr>
-        <p:spPr>
-          <a:xfrm>
-            <a:off x="311700" y="1152475"/>
-            <a:ext cx="8520600" cy="3990900"/>
-          </a:xfrm>
-          <a:prstGeom prst="rect">
-            <a:avLst/>
-          </a:prstGeom>
-        </p:spPr>
-        <p:txBody>
-          <a:bodyPr anchorCtr="0" anchor="t" bIns="91425" lIns="91425" spcFirstLastPara="1" rIns="91425" wrap="square" tIns="91425">
-            <a:noAutofit/>
-          </a:bodyPr>
-          <a:lstStyle/>
-          <a:p>
-            <a:pPr indent="-342900" lvl="0" marL="457200" rtl="0" algn="l">
-              <a:spcBef>
-                <a:spcPts val="0"/>
-              </a:spcBef>
-              <a:spcAft>
-                <a:spcPts val="0"/>
-              </a:spcAft>
-              <a:buSzPts val="1800"/>
-              <a:buChar char="●"/>
-            </a:pPr>
-            <a:r>
-              <a:rPr lang="en"/>
-              <a:t>Book Search</a:t>
-            </a:r>
-            <a:endParaRPr/>
-          </a:p>
-          <a:p>
-            <a:pPr indent="-317500" lvl="1" marL="914400" rtl="0" algn="l">
-              <a:spcBef>
-                <a:spcPts val="0"/>
-              </a:spcBef>
-              <a:spcAft>
-                <a:spcPts val="0"/>
-              </a:spcAft>
-              <a:buSzPts val="1400"/>
-              <a:buChar char="○"/>
-            </a:pPr>
-            <a:r>
-              <a:rPr lang="en"/>
-              <a:t>Complexity of O(n)</a:t>
-            </a:r>
-            <a:endParaRPr/>
-          </a:p>
-          <a:p>
-            <a:pPr indent="-317500" lvl="1" marL="914400" rtl="0" algn="l">
-              <a:spcBef>
-                <a:spcPts val="0"/>
-              </a:spcBef>
-              <a:spcAft>
-                <a:spcPts val="0"/>
-              </a:spcAft>
-              <a:buSzPts val="1400"/>
-              <a:buChar char="○"/>
-            </a:pPr>
-            <a:r>
-              <a:rPr lang="en"/>
-              <a:t>Dependent on internet speed</a:t>
-            </a:r>
-            <a:endParaRPr/>
-          </a:p>
-          <a:p>
-            <a:pPr indent="-317500" lvl="1" marL="914400" rtl="0" algn="l">
-              <a:spcBef>
-                <a:spcPts val="0"/>
-              </a:spcBef>
-              <a:spcAft>
-                <a:spcPts val="0"/>
-              </a:spcAft>
-              <a:buSzPts val="1400"/>
-              <a:buChar char="○"/>
-            </a:pPr>
-            <a:r>
-              <a:rPr lang="en"/>
-              <a:t>The time is directly link to the number of books being searched for</a:t>
-            </a:r>
-            <a:endParaRPr/>
-          </a:p>
-          <a:p>
-            <a:pPr indent="-342900" lvl="0" marL="457200" rtl="0" algn="l">
-              <a:spcBef>
-                <a:spcPts val="0"/>
-              </a:spcBef>
-              <a:spcAft>
-                <a:spcPts val="0"/>
-              </a:spcAft>
-              <a:buSzPts val="1800"/>
-              <a:buChar char="●"/>
-            </a:pPr>
-            <a:r>
-              <a:rPr lang="en"/>
-              <a:t>Podcast Search and Download</a:t>
-            </a:r>
-            <a:endParaRPr/>
-          </a:p>
-          <a:p>
-            <a:pPr indent="-317500" lvl="1" marL="914400" rtl="0" algn="l">
-              <a:spcBef>
-                <a:spcPts val="0"/>
-              </a:spcBef>
-              <a:spcAft>
-                <a:spcPts val="0"/>
-              </a:spcAft>
-              <a:buSzPts val="1400"/>
-              <a:buChar char="○"/>
-            </a:pPr>
-            <a:r>
-              <a:rPr lang="en"/>
-              <a:t>Complexity of O(n)</a:t>
-            </a:r>
-            <a:endParaRPr/>
-          </a:p>
-          <a:p>
-            <a:pPr indent="-317500" lvl="1" marL="914400" rtl="0" algn="l">
-              <a:spcBef>
-                <a:spcPts val="0"/>
-              </a:spcBef>
-              <a:spcAft>
-                <a:spcPts val="0"/>
-              </a:spcAft>
-              <a:buSzPts val="1400"/>
-              <a:buChar char="○"/>
-            </a:pPr>
-            <a:r>
-              <a:rPr lang="en"/>
-              <a:t>Dependent of internet speed</a:t>
-            </a:r>
-            <a:endParaRPr/>
-          </a:p>
-          <a:p>
-            <a:pPr indent="-317500" lvl="1" marL="914400" rtl="0" algn="l">
-              <a:spcBef>
-                <a:spcPts val="0"/>
-              </a:spcBef>
-              <a:spcAft>
-                <a:spcPts val="0"/>
-              </a:spcAft>
-              <a:buSzPts val="1400"/>
-              <a:buChar char="○"/>
-            </a:pPr>
-            <a:r>
-              <a:rPr lang="en"/>
-              <a:t>Download is dependent on:</a:t>
-            </a:r>
-            <a:endParaRPr/>
-          </a:p>
-          <a:p>
-            <a:pPr indent="-317500" lvl="2" marL="1371600" rtl="0" algn="l">
-              <a:spcBef>
-                <a:spcPts val="0"/>
-              </a:spcBef>
-              <a:spcAft>
-                <a:spcPts val="0"/>
-              </a:spcAft>
-              <a:buSzPts val="1400"/>
-              <a:buChar char="■"/>
-            </a:pPr>
-            <a:r>
-              <a:rPr lang="en"/>
-              <a:t>Number to be downloaded </a:t>
-            </a:r>
-            <a:endParaRPr/>
-          </a:p>
-          <a:p>
-            <a:pPr indent="-317500" lvl="2" marL="1371600" rtl="0" algn="l">
-              <a:spcBef>
-                <a:spcPts val="0"/>
-              </a:spcBef>
-              <a:spcAft>
-                <a:spcPts val="0"/>
-              </a:spcAft>
-              <a:buSzPts val="1400"/>
-              <a:buChar char="■"/>
-            </a:pPr>
-            <a:r>
-              <a:rPr lang="en"/>
-              <a:t>Size of each file</a:t>
-            </a:r>
-            <a:endParaRPr/>
-          </a:p>
-          <a:p>
-            <a:pPr indent="-342900" lvl="0" marL="457200" rtl="0" algn="l">
-              <a:spcBef>
-                <a:spcPts val="0"/>
-              </a:spcBef>
-              <a:spcAft>
-                <a:spcPts val="0"/>
-              </a:spcAft>
-              <a:buSzPts val="1800"/>
-              <a:buChar char="●"/>
-            </a:pPr>
-            <a:r>
-              <a:rPr lang="en"/>
-              <a:t>Recommendation</a:t>
-            </a:r>
-            <a:endParaRPr/>
-          </a:p>
-          <a:p>
-            <a:pPr indent="-317500" lvl="1" marL="914400" rtl="0" algn="l">
-              <a:spcBef>
-                <a:spcPts val="0"/>
-              </a:spcBef>
-              <a:spcAft>
-                <a:spcPts val="0"/>
-              </a:spcAft>
-              <a:buSzPts val="1400"/>
-              <a:buChar char="○"/>
-            </a:pPr>
-            <a:r>
-              <a:rPr lang="en"/>
-              <a:t>Complexity may require more research</a:t>
-            </a:r>
-            <a:endParaRPr/>
-          </a:p>
-          <a:p>
-            <a:pPr indent="-317500" lvl="2" marL="1371600" rtl="0" algn="l">
-              <a:spcBef>
-                <a:spcPts val="0"/>
-              </a:spcBef>
-              <a:spcAft>
-                <a:spcPts val="0"/>
-              </a:spcAft>
-              <a:buSzPts val="1400"/>
-              <a:buChar char="■"/>
-            </a:pPr>
-            <a:r>
-              <a:rPr lang="en"/>
-              <a:t>Depends on internet speed</a:t>
-            </a:r>
-            <a:endParaRPr/>
-          </a:p>
-          <a:p>
-            <a:pPr indent="-317500" lvl="2" marL="1371600" rtl="0" algn="l">
-              <a:spcBef>
-                <a:spcPts val="0"/>
-              </a:spcBef>
-              <a:spcAft>
-                <a:spcPts val="0"/>
-              </a:spcAft>
-              <a:buSzPts val="1400"/>
-              <a:buChar char="■"/>
-            </a:pPr>
-            <a:r>
-              <a:rPr lang="en"/>
-              <a:t>Depends on current amount of data in the database</a:t>
-            </a:r>
-            <a:endParaRPr/>
-          </a:p>
-        </p:txBody>
-      </p:sp>
-    </p:spTree>
-  </p:cSld>
-  <p:clrMapOvr>
-    <a:masterClrMapping/>
-  </p:clrMapOvr>
-</p:sld>
+<file path=ppt/theme/theme1.xml><?xml version="1.0" encoding="utf-8"?>
+<a:theme xmlns:a="http://schemas.openxmlformats.org/drawingml/2006/main" xmlns:r="http://schemas.openxmlformats.org/officeDocument/2006/relationships">
+  <a:themeElements>
+    <a:clrScheme name="Default">
+      <a:dk1>
+        <a:srgbClr val="000000"/>
+      </a:dk1>
+      <a:lt1>
+        <a:srgbClr val="FFFFFF"/>
+      </a:lt1>
+      <a:dk2>
+        <a:srgbClr val="158158"/>
+      </a:dk2>
+      <a:lt2>
+        <a:srgbClr val="F3F3F3"/>
+      </a:lt2>
+      <a:accent1>
+        <a:srgbClr val="058DC7"/>
+      </a:accent1>
+      <a:accent2>
+        <a:srgbClr val="50B432"/>
+      </a:accent2>
+      <a:accent3>
+        <a:srgbClr val="ED561B"/>
+      </a:accent3>
+      <a:accent4>
+        <a:srgbClr val="EDEF00"/>
+      </a:accent4>
+      <a:accent5>
+        <a:srgbClr val="24CBE5"/>
+      </a:accent5>
+      <a:accent6>
+        <a:srgbClr val="64E572"/>
+      </a:accent6>
+      <a:hlink>
+        <a:srgbClr val="2200CC"/>
+      </a:hlink>
+      <a:folHlink>
+        <a:srgbClr val="551A8B"/>
+      </a:folHlink>
+    </a:clrScheme>
+    <a:fontScheme name="Office">
+      <a:majorFont>
+        <a:latin typeface="Arial"/>
+        <a:ea typeface=""/>
+        <a:cs typeface=""/>
+        <a:font script="Jpan" typeface="ＭＳ Ｐゴシック"/>
+        <a:font script="Hang" typeface="맑은 고딕"/>
+        <a:font script="Hans" typeface="宋体"/>
+        <a:font script="Hant" typeface="新細明體"/>
+        <a:font script="Arab" typeface="Times New Roman"/>
+        <a:font script="Hebr" typeface="Times New Roman"/>
+        <a:font script="Thai" typeface="Angsana New"/>
+        <a:font script="Ethi" typeface="Nyala"/>
+        <a:font script="Beng" typeface="Vrinda"/>
+        <a:font script="Gujr" typeface="Shruti"/>
+        <a:font script="Khmr" typeface="MoolBoran"/>
+        <a:font script="Knda" typeface="Tunga"/>
+        <a:font script="Guru" typeface="Raavi"/>
+        <a:font script="Cans" typeface="Euphemia"/>
+        <a:font script="Cher" typeface="Plantagenet Cherokee"/>
+        <a:font script="Yiii" typeface="Microsoft Yi Baiti"/>
+        <a:font script="Tibt" typeface="Microsoft Himalaya"/>
+        <a:font script="Thaa" typeface="MV Boli"/>
+        <a:font script="Deva" typeface="Mangal"/>
+        <a:font script="Telu" typeface="Gautami"/>
+        <a:font script="Taml" typeface="Latha"/>
+        <a:font script="Syrc" typeface="Estrangelo Edessa"/>
+        <a:font script="Orya" typeface="Kalinga"/>
+        <a:font script="Mlym" typeface="Kartika"/>
+        <a:font script="Laoo" typeface="DokChampa"/>
+        <a:font script="Sinh" typeface="Iskoola Pota"/>
+        <a:font script="Mong" typeface="Mongolian Baiti"/>
+        <a:font script="Viet" typeface="Times New Roman"/>
+        <a:font script="Uigh" typeface="Microsoft Uighur"/>
+        <a:font script="Geor" typeface="Sylfaen"/>
+      </a:majorFont>
+      <a:minorFont>
+        <a:latin typeface="Arial"/>
+        <a:ea typeface=""/>
+        <a:cs typeface=""/>
+        <a:font script="Jpan" typeface="ＭＳ Ｐゴシック"/>
+        <a:font script="Hang" typeface="맑은 고딕"/>
+        <a:font script="Hans" typeface="宋体"/>
+        <a:font script="Hant" typeface="新細明體"/>
+        <a:font script="Arab" typeface="Arial"/>
+        <a:font script="Hebr" typeface="Arial"/>
+        <a:font script="Thai" typeface="Cordia New"/>
+        <a:font script="Ethi" typeface="Nyala"/>
+        <a:font script="Beng" typeface="Vrinda"/>
+        <a:font script="Gujr" typeface="Shruti"/>
+        <a:font script="Khmr" typeface="DaunPenh"/>
+        <a:font script="Knda" typeface="Tunga"/>
+        <a:font script="Guru" typeface="Raavi"/>
+        <a:font script="Cans" typeface="Euphemia"/>
+        <a:font script="Cher" typeface="Plantagenet Cherokee"/>
+        <a:font script="Yiii" typeface="Microsoft Yi Baiti"/>
+        <a:font script="Tibt" typeface="Microsoft Himalaya"/>
+        <a:font script="Thaa" typeface="MV Boli"/>
+        <a:font script="Deva" typeface="Mangal"/>
+        <a:font script="Telu" typeface="Gautami"/>
+        <a:font script="Taml" typeface="Latha"/>
+        <a:font script="Syrc" typeface="Estrangelo Edessa"/>
+        <a:font script="Orya" typeface="Kalinga"/>
+        <a:font script="Mlym" typeface="Kartika"/>
+        <a:font script="Laoo" typeface="DokChampa"/>
+        <a:font script="Sinh" typeface="Iskoola Pota"/>
+        <a:font script="Mong" typeface="Mongolian Baiti"/>
+        <a:font script="Viet" typeface="Arial"/>
+        <a:font script="Uigh" typeface="Microsoft Uighur"/>
+        <a:font script="Geor" typeface="Sylfaen"/>
+      </a:minorFont>
+    </a:fontScheme>
+    <a:fmtScheme name="Office">
+      <a:fillStyleLst>
+        <a:solidFill>
+          <a:schemeClr val="phClr"/>
+        </a:solidFill>
+        <a:gradFill rotWithShape="1">
+          <a:gsLst>
+            <a:gs pos="0">
+              <a:schemeClr val="phClr">
+                <a:tint val="50000"/>
+                <a:satMod val="300000"/>
+              </a:schemeClr>
+            </a:gs>
+            <a:gs pos="35000">
+              <a:schemeClr val="phClr">
+                <a:tint val="37000"/>
+                <a:satMod val="300000"/>
+              </a:schemeClr>
+            </a:gs>
+            <a:gs pos="100000">
+              <a:schemeClr val="phClr">
+                <a:tint val="15000"/>
+                <a:satMod val="350000"/>
+              </a:schemeClr>
+            </a:gs>
+          </a:gsLst>
+          <a:lin ang="16200000" scaled="1"/>
+        </a:gradFill>
+        <a:gradFill rotWithShape="1">
+          <a:gsLst>
+            <a:gs pos="0">
+              <a:schemeClr val="phClr">
+                <a:tint val="100000"/>
+                <a:shade val="100000"/>
+                <a:satMod val="130000"/>
+              </a:schemeClr>
+            </a:gs>
+            <a:gs pos="100000">
+              <a:schemeClr val="phClr">
+                <a:tint val="50000"/>
+                <a:shade val="100000"/>
+                <a:satMod val="350000"/>
+              </a:schemeClr>
+            </a:gs>
+          </a:gsLst>
+          <a:lin ang="16200000" scaled="0"/>
+        </a:gradFill>
+      </a:fillStyleLst>
+      <a:lnStyleLst>
+        <a:ln w="9525" cap="flat" cmpd="sng" algn="ctr">
+          <a:solidFill>
+            <a:schemeClr val="phClr">
+              <a:shade val="95000"/>
+              <a:satMod val="105000"/>
+            </a:schemeClr>
+          </a:solidFill>
+          <a:prstDash val="solid"/>
+        </a:ln>
+        <a:ln w="25400" cap="flat" cmpd="sng" algn="ctr">
+          <a:solidFill>
+            <a:schemeClr val="phClr"/>
+          </a:solidFill>
+          <a:prstDash val="solid"/>
+        </a:ln>
+        <a:ln w="38100" cap="flat" cmpd="sng" algn="ctr">
+          <a:solidFill>
+            <a:schemeClr val="phClr"/>
+          </a:solidFill>
+          <a:prstDash val="solid"/>
+        </a:ln>
+      </a:lnStyleLst>
+      <a:effectStyleLst>
+        <a:effectStyle>
+          <a:effectLst>
+            <a:outerShdw blurRad="40000" dist="20000" dir="5400000" rotWithShape="0">
+              <a:srgbClr val="000000">
+                <a:alpha val="38000"/>
+              </a:srgbClr>
+            </a:outerShdw>
+          </a:effectLst>
+        </a:effectStyle>
+        <a:effectStyle>
+          <a:effectLst>
+            <a:outerShdw blurRad="40000" dist="23000" dir="5400000" rotWithShape="0">
+              <a:srgbClr val="000000">
+                <a:alpha val="35000"/>
+              </a:srgbClr>
+            </a:outerShdw>
+          </a:effectLst>
+        </a:effectStyle>
+        <a:effectStyle>
+          <a:effectLst>
+            <a:outerShdw blurRad="40000" dist="23000" dir="5400000" rotWithShape="0">
+              <a:srgbClr val="000000">
+                <a:alpha val="35000"/>
+              </a:srgbClr>
+            </a:outerShdw>
+          </a:effectLst>
+          <a:scene3d>
+            <a:camera prst="orthographicFront">
+              <a:rot lat="0" lon="0" rev="0"/>
+            </a:camera>
+            <a:lightRig rig="threePt" dir="t">
+              <a:rot lat="0" lon="0" rev="1200000"/>
+            </a:lightRig>
+          </a:scene3d>
+          <a:sp3d>
+            <a:bevelT w="63500" h="25400"/>
+          </a:sp3d>
+        </a:effectStyle>
+      </a:effectStyleLst>
+      <a:bgFillStyleLst>
+        <a:solidFill>
+          <a:schemeClr val="phClr"/>
+        </a:solidFill>
+        <a:gradFill rotWithShape="1">
+          <a:gsLst>
+            <a:gs pos="0">
+              <a:schemeClr val="phClr">
+                <a:tint val="40000"/>
+                <a:satMod val="350000"/>
+              </a:schemeClr>
+            </a:gs>
+            <a:gs pos="40000">
+              <a:schemeClr val="phClr">
+                <a:tint val="45000"/>
+                <a:shade val="99000"/>
+                <a:satMod val="350000"/>
+              </a:schemeClr>
+            </a:gs>
+            <a:gs pos="100000">
+              <a:schemeClr val="phClr">
+                <a:shade val="20000"/>
+                <a:satMod val="255000"/>
+              </a:schemeClr>
+            </a:gs>
+          </a:gsLst>
+          <a:path path="circle">
+            <a:fillToRect l="50000" t="-80000" r="50000" b="180000"/>
+          </a:path>
+        </a:gradFill>
+        <a:gradFill rotWithShape="1">
+          <a:gsLst>
+            <a:gs pos="0">
+              <a:schemeClr val="phClr">
+                <a:tint val="80000"/>
+                <a:satMod val="300000"/>
+              </a:schemeClr>
+            </a:gs>
+            <a:gs pos="100000">
+              <a:schemeClr val="phClr">
+                <a:shade val="30000"/>
+                <a:satMod val="200000"/>
+              </a:schemeClr>
+            </a:gs>
+          </a:gsLst>
+          <a:path path="circle">
+            <a:fillToRect l="50000" t="50000" r="50000" b="50000"/>
+          </a:path>
+        </a:gradFill>
+      </a:bgFillStyleLst>
+    </a:fmtScheme>
+  </a:themeElements>
+</a:theme>
 </file>
 
-<file path=ppt/theme/theme1.xml><?xml version="1.0" encoding="utf-8"?>
+<file path=ppt/theme/theme2.xml><?xml version="1.0" encoding="utf-8"?>
 <a:theme xmlns:a="http://schemas.openxmlformats.org/drawingml/2006/main" xmlns:r="http://schemas.openxmlformats.org/officeDocument/2006/relationships" name="Simple Dark">
   <a:themeElements>
     <a:clrScheme name="Simple Dark">
@@ -9339,283 +9811,4 @@
     </a:fmtScheme>
   </a:themeElements>
 </a:theme>
-</file>
-
-<file path=ppt/theme/theme2.xml><?xml version="1.0" encoding="utf-8"?>
-<a:theme xmlns:a="http://schemas.openxmlformats.org/drawingml/2006/main" xmlns:r="http://schemas.openxmlformats.org/officeDocument/2006/relationships">
-  <a:themeElements>
-    <a:clrScheme name="Default">
-      <a:dk1>
-        <a:srgbClr val="000000"/>
-      </a:dk1>
-      <a:lt1>
-        <a:srgbClr val="FFFFFF"/>
-      </a:lt1>
-      <a:dk2>
-        <a:srgbClr val="158158"/>
-      </a:dk2>
-      <a:lt2>
-        <a:srgbClr val="F3F3F3"/>
-      </a:lt2>
-      <a:accent1>
-        <a:srgbClr val="058DC7"/>
-      </a:accent1>
-      <a:accent2>
-        <a:srgbClr val="50B432"/>
-      </a:accent2>
-      <a:accent3>
-        <a:srgbClr val="ED561B"/>
-      </a:accent3>
-      <a:accent4>
-        <a:srgbClr val="EDEF00"/>
-      </a:accent4>
-      <a:accent5>
-        <a:srgbClr val="24CBE5"/>
-      </a:accent5>
-      <a:accent6>
-        <a:srgbClr val="64E572"/>
-      </a:accent6>
-      <a:hlink>
-        <a:srgbClr val="2200CC"/>
-      </a:hlink>
-      <a:folHlink>
-        <a:srgbClr val="551A8B"/>
-      </a:folHlink>
-    </a:clrScheme>
-    <a:fontScheme name="Office">
-      <a:majorFont>
-        <a:latin typeface="Arial"/>
-        <a:ea typeface=""/>
-        <a:cs typeface=""/>
-        <a:font script="Jpan" typeface="ＭＳ Ｐゴシック"/>
-        <a:font script="Hang" typeface="맑은 고딕"/>
-        <a:font script="Hans" typeface="宋体"/>
-        <a:font script="Hant" typeface="新細明體"/>
-        <a:font script="Arab" typeface="Times New Roman"/>
-        <a:font script="Hebr" typeface="Times New Roman"/>
-        <a:font script="Thai" typeface="Angsana New"/>
-        <a:font script="Ethi" typeface="Nyala"/>
-        <a:font script="Beng" typeface="Vrinda"/>
-        <a:font script="Gujr" typeface="Shruti"/>
-        <a:font script="Khmr" typeface="MoolBoran"/>
-        <a:font script="Knda" typeface="Tunga"/>
-        <a:font script="Guru" typeface="Raavi"/>
-        <a:font script="Cans" typeface="Euphemia"/>
-        <a:font script="Cher" typeface="Plantagenet Cherokee"/>
-        <a:font script="Yiii" typeface="Microsoft Yi Baiti"/>
-        <a:font script="Tibt" typeface="Microsoft Himalaya"/>
-        <a:font script="Thaa" typeface="MV Boli"/>
-        <a:font script="Deva" typeface="Mangal"/>
-        <a:font script="Telu" typeface="Gautami"/>
-        <a:font script="Taml" typeface="Latha"/>
-        <a:font script="Syrc" typeface="Estrangelo Edessa"/>
-        <a:font script="Orya" typeface="Kalinga"/>
-        <a:font script="Mlym" typeface="Kartika"/>
-        <a:font script="Laoo" typeface="DokChampa"/>
-        <a:font script="Sinh" typeface="Iskoola Pota"/>
-        <a:font script="Mong" typeface="Mongolian Baiti"/>
-        <a:font script="Viet" typeface="Times New Roman"/>
-        <a:font script="Uigh" typeface="Microsoft Uighur"/>
-        <a:font script="Geor" typeface="Sylfaen"/>
-      </a:majorFont>
-      <a:minorFont>
-        <a:latin typeface="Arial"/>
-        <a:ea typeface=""/>
-        <a:cs typeface=""/>
-        <a:font script="Jpan" typeface="ＭＳ Ｐゴシック"/>
-        <a:font script="Hang" typeface="맑은 고딕"/>
-        <a:font script="Hans" typeface="宋体"/>
-        <a:font script="Hant" typeface="新細明體"/>
-        <a:font script="Arab" typeface="Arial"/>
-        <a:font script="Hebr" typeface="Arial"/>
-        <a:font script="Thai" typeface="Cordia New"/>
-        <a:font script="Ethi" typeface="Nyala"/>
-        <a:font script="Beng" typeface="Vrinda"/>
-        <a:font script="Gujr" typeface="Shruti"/>
-        <a:font script="Khmr" typeface="DaunPenh"/>
-        <a:font script="Knda" typeface="Tunga"/>
-        <a:font script="Guru" typeface="Raavi"/>
-        <a:font script="Cans" typeface="Euphemia"/>
-        <a:font script="Cher" typeface="Plantagenet Cherokee"/>
-        <a:font script="Yiii" typeface="Microsoft Yi Baiti"/>
-        <a:font script="Tibt" typeface="Microsoft Himalaya"/>
-        <a:font script="Thaa" typeface="MV Boli"/>
-        <a:font script="Deva" typeface="Mangal"/>
-        <a:font script="Telu" typeface="Gautami"/>
-        <a:font script="Taml" typeface="Latha"/>
-        <a:font script="Syrc" typeface="Estrangelo Edessa"/>
-        <a:font script="Orya" typeface="Kalinga"/>
-        <a:font script="Mlym" typeface="Kartika"/>
-        <a:font script="Laoo" typeface="DokChampa"/>
-        <a:font script="Sinh" typeface="Iskoola Pota"/>
-        <a:font script="Mong" typeface="Mongolian Baiti"/>
-        <a:font script="Viet" typeface="Arial"/>
-        <a:font script="Uigh" typeface="Microsoft Uighur"/>
-        <a:font script="Geor" typeface="Sylfaen"/>
-      </a:minorFont>
-    </a:fontScheme>
-    <a:fmtScheme name="Office">
-      <a:fillStyleLst>
-        <a:solidFill>
-          <a:schemeClr val="phClr"/>
-        </a:solidFill>
-        <a:gradFill rotWithShape="1">
-          <a:gsLst>
-            <a:gs pos="0">
-              <a:schemeClr val="phClr">
-                <a:tint val="50000"/>
-                <a:satMod val="300000"/>
-              </a:schemeClr>
-            </a:gs>
-            <a:gs pos="35000">
-              <a:schemeClr val="phClr">
-                <a:tint val="37000"/>
-                <a:satMod val="300000"/>
-              </a:schemeClr>
-            </a:gs>
-            <a:gs pos="100000">
-              <a:schemeClr val="phClr">
-                <a:tint val="15000"/>
-                <a:satMod val="350000"/>
-              </a:schemeClr>
-            </a:gs>
-          </a:gsLst>
-          <a:lin ang="16200000" scaled="1"/>
-        </a:gradFill>
-        <a:gradFill rotWithShape="1">
-          <a:gsLst>
-            <a:gs pos="0">
-              <a:schemeClr val="phClr">
-                <a:tint val="100000"/>
-                <a:shade val="100000"/>
-                <a:satMod val="130000"/>
-              </a:schemeClr>
-            </a:gs>
-            <a:gs pos="100000">
-              <a:schemeClr val="phClr">
-                <a:tint val="50000"/>
-                <a:shade val="100000"/>
-                <a:satMod val="350000"/>
-              </a:schemeClr>
-            </a:gs>
-          </a:gsLst>
-          <a:lin ang="16200000" scaled="0"/>
-        </a:gradFill>
-      </a:fillStyleLst>
-      <a:lnStyleLst>
-        <a:ln w="9525" cap="flat" cmpd="sng" algn="ctr">
-          <a:solidFill>
-            <a:schemeClr val="phClr">
-              <a:shade val="95000"/>
-              <a:satMod val="105000"/>
-            </a:schemeClr>
-          </a:solidFill>
-          <a:prstDash val="solid"/>
-        </a:ln>
-        <a:ln w="25400" cap="flat" cmpd="sng" algn="ctr">
-          <a:solidFill>
-            <a:schemeClr val="phClr"/>
-          </a:solidFill>
-          <a:prstDash val="solid"/>
-        </a:ln>
-        <a:ln w="38100" cap="flat" cmpd="sng" algn="ctr">
-          <a:solidFill>
-            <a:schemeClr val="phClr"/>
-          </a:solidFill>
-          <a:prstDash val="solid"/>
-        </a:ln>
-      </a:lnStyleLst>
-      <a:effectStyleLst>
-        <a:effectStyle>
-          <a:effectLst>
-            <a:outerShdw blurRad="40000" dist="20000" dir="5400000" rotWithShape="0">
-              <a:srgbClr val="000000">
-                <a:alpha val="38000"/>
-              </a:srgbClr>
-            </a:outerShdw>
-          </a:effectLst>
-        </a:effectStyle>
-        <a:effectStyle>
-          <a:effectLst>
-            <a:outerShdw blurRad="40000" dist="23000" dir="5400000" rotWithShape="0">
-              <a:srgbClr val="000000">
-                <a:alpha val="35000"/>
-              </a:srgbClr>
-            </a:outerShdw>
-          </a:effectLst>
-        </a:effectStyle>
-        <a:effectStyle>
-          <a:effectLst>
-            <a:outerShdw blurRad="40000" dist="23000" dir="5400000" rotWithShape="0">
-              <a:srgbClr val="000000">
-                <a:alpha val="35000"/>
-              </a:srgbClr>
-            </a:outerShdw>
-          </a:effectLst>
-          <a:scene3d>
-            <a:camera prst="orthographicFront">
-              <a:rot lat="0" lon="0" rev="0"/>
-            </a:camera>
-            <a:lightRig rig="threePt" dir="t">
-              <a:rot lat="0" lon="0" rev="1200000"/>
-            </a:lightRig>
-          </a:scene3d>
-          <a:sp3d>
-            <a:bevelT w="63500" h="25400"/>
-          </a:sp3d>
-        </a:effectStyle>
-      </a:effectStyleLst>
-      <a:bgFillStyleLst>
-        <a:solidFill>
-          <a:schemeClr val="phClr"/>
-        </a:solidFill>
-        <a:gradFill rotWithShape="1">
-          <a:gsLst>
-            <a:gs pos="0">
-              <a:schemeClr val="phClr">
-                <a:tint val="40000"/>
-                <a:satMod val="350000"/>
-              </a:schemeClr>
-            </a:gs>
-            <a:gs pos="40000">
-              <a:schemeClr val="phClr">
-                <a:tint val="45000"/>
-                <a:shade val="99000"/>
-                <a:satMod val="350000"/>
-              </a:schemeClr>
-            </a:gs>
-            <a:gs pos="100000">
-              <a:schemeClr val="phClr">
-                <a:shade val="20000"/>
-                <a:satMod val="255000"/>
-              </a:schemeClr>
-            </a:gs>
-          </a:gsLst>
-          <a:path path="circle">
-            <a:fillToRect l="50000" t="-80000" r="50000" b="180000"/>
-          </a:path>
-        </a:gradFill>
-        <a:gradFill rotWithShape="1">
-          <a:gsLst>
-            <a:gs pos="0">
-              <a:schemeClr val="phClr">
-                <a:tint val="80000"/>
-                <a:satMod val="300000"/>
-              </a:schemeClr>
-            </a:gs>
-            <a:gs pos="100000">
-              <a:schemeClr val="phClr">
-                <a:shade val="30000"/>
-                <a:satMod val="200000"/>
-              </a:schemeClr>
-            </a:gs>
-          </a:gsLst>
-          <a:path path="circle">
-            <a:fillToRect l="50000" t="50000" r="50000" b="50000"/>
-          </a:path>
-        </a:gradFill>
-      </a:bgFillStyleLst>
-    </a:fmtScheme>
-  </a:themeElements>
-</a:theme>
 </file>